--- a/Detection of Anomaly Using Graph Fairing Convolutional Networks.pptx
+++ b/Detection of Anomaly Using Graph Fairing Convolutional Networks.pptx
@@ -14182,8 +14182,8 @@
           </p:sp>
         </mc:Fallback>
       </mc:AlternateContent>
-      <mc:AlternateContent xmlns:mc="http://schemas.openxmlformats.org/markup-compatibility/2006" xmlns:a14="http://schemas.microsoft.com/office/drawing/2010/main">
-        <mc:Choice Requires="a14">
+      <mc:AlternateContent xmlns:mc="http://schemas.openxmlformats.org/markup-compatibility/2006">
+        <mc:Choice xmlns:a14="http://schemas.microsoft.com/office/drawing/2010/main" Requires="a14">
           <p:sp>
             <p:nvSpPr>
               <p:cNvPr id="4" name="TextBox 10">
@@ -14211,7 +14211,7 @@
               </a:bodyPr>
               <a:lstStyle/>
               <a:p>
-                <a:pPr marL="342900" indent="-342900">
+                <a:pPr marL="800100" lvl="1" indent="-342900">
                   <a:lnSpc>
                     <a:spcPct val="200000"/>
                   </a:lnSpc>
@@ -14326,7 +14326,7 @@
                 </a:endParaRPr>
               </a:p>
               <a:p>
-                <a:pPr marL="342900" indent="-342900">
+                <a:pPr marL="800100" lvl="1" indent="-342900">
                   <a:lnSpc>
                     <a:spcPct val="200000"/>
                   </a:lnSpc>
@@ -14429,7 +14429,7 @@
                 </a:endParaRPr>
               </a:p>
               <a:p>
-                <a:pPr marL="342900" indent="-342900">
+                <a:pPr marL="800100" lvl="1" indent="-342900">
                   <a:lnSpc>
                     <a:spcPct val="200000"/>
                   </a:lnSpc>
@@ -14450,7 +14450,7 @@
                 </a:r>
               </a:p>
               <a:p>
-                <a:pPr marL="342900" indent="-342900">
+                <a:pPr marL="800100" lvl="1" indent="-342900">
                   <a:lnSpc>
                     <a:spcPct val="200000"/>
                   </a:lnSpc>
@@ -14473,7 +14473,7 @@
             </p:txBody>
           </p:sp>
         </mc:Choice>
-        <mc:Fallback xmlns="">
+        <mc:Fallback>
           <p:sp>
             <p:nvSpPr>
               <p:cNvPr id="4" name="TextBox 10">
@@ -14499,7 +14499,7 @@
               <a:blipFill>
                 <a:blip r:embed="rId6"/>
                 <a:stretch>
-                  <a:fillRect l="-1596" b="-5652"/>
+                  <a:fillRect b="-5652"/>
                 </a:stretch>
               </a:blipFill>
             </p:spPr>
